--- a/_ML@NOVA#2_57672_60599_67548.pptx
+++ b/_ML@NOVA#2_57672_60599_67548.pptx
@@ -7534,23 +7534,15 @@
             </a:pPr>
             <a:r>
               <a:rPr lang="en-US" dirty="0"/>
-              <a:t>Tree models (</a:t>
-            </a:r>
-            <a:r>
-              <a:rPr lang="en-US" dirty="0" err="1"/>
-              <a:t>RandomForestRegressor</a:t>
+              <a:t>Tree </a:t>
+            </a:r>
+            <a:r>
+              <a:rPr lang="en-US"/>
+              <a:t>models tended </a:t>
             </a:r>
             <a:r>
               <a:rPr lang="en-US" dirty="0"/>
-              <a:t> and </a:t>
-            </a:r>
-            <a:r>
-              <a:rPr lang="en-US" dirty="0" err="1"/>
-              <a:t>DecistionTreeRegressor</a:t>
-            </a:r>
-            <a:r>
-              <a:rPr lang="en-US" dirty="0"/>
-              <a:t>) tended to overfit the data</a:t>
+              <a:t>to overfit the data</a:t>
             </a:r>
           </a:p>
           <a:p>
@@ -7713,14 +7705,10 @@
           </a:bodyPr>
           <a:lstStyle/>
           <a:p>
-            <a:pPr marL="0" lvl="0" indent="0" algn="l" rtl="0">
-              <a:spcBef>
-                <a:spcPts val="0"/>
-              </a:spcBef>
+            <a:pPr marL="285750" indent="-285750">
               <a:spcAft>
                 <a:spcPts val="1200"/>
               </a:spcAft>
-              <a:buNone/>
             </a:pPr>
             <a:r>
               <a:rPr lang="en-US" dirty="0"/>
@@ -7740,18 +7728,14 @@
             </a:r>
             <a:r>
               <a:rPr lang="en-US" dirty="0"/>
-              <a:t> pipeline</a:t>
-            </a:r>
-          </a:p>
-          <a:p>
-            <a:pPr marL="0" lvl="0" indent="0" algn="l" rtl="0">
-              <a:spcBef>
-                <a:spcPts val="0"/>
-              </a:spcBef>
+              <a:t> pipeline.</a:t>
+            </a:r>
+          </a:p>
+          <a:p>
+            <a:pPr marL="285750" indent="-285750">
               <a:spcAft>
                 <a:spcPts val="1200"/>
               </a:spcAft>
-              <a:buNone/>
             </a:pPr>
             <a:r>
               <a:rPr lang="en-US" dirty="0"/>
@@ -7759,14 +7743,10 @@
             </a:r>
           </a:p>
           <a:p>
-            <a:pPr marL="0" lvl="0" indent="0" algn="l" rtl="0">
-              <a:spcBef>
-                <a:spcPts val="0"/>
-              </a:spcBef>
+            <a:pPr marL="285750" indent="-285750">
               <a:spcAft>
                 <a:spcPts val="1200"/>
               </a:spcAft>
-              <a:buNone/>
             </a:pPr>
             <a:r>
               <a:rPr lang="en-US" dirty="0"/>
